--- a/PRESENTACION PROYECTO FINAL MODULO 2.pptx
+++ b/PRESENTACION PROYECTO FINAL MODULO 2.pptx
@@ -30,7 +30,7 @@
   <p:notesSz cx="6858000" cy="9144000"/>
   <p:embeddedFontLst>
     <p:embeddedFont>
-      <p:font typeface="Anton" panose="020F0502020204030204" pitchFamily="2" charset="0"/>
+      <p:font typeface="Anton" pitchFamily="2" charset="0"/>
       <p:regular r:id="rId22"/>
     </p:embeddedFont>
     <p:embeddedFont>
@@ -45,7 +45,7 @@
       <p:boldItalic r:id="rId27"/>
     </p:embeddedFont>
     <p:embeddedFont>
-      <p:font typeface="Open Sans" panose="020F0502020204030204" pitchFamily="34" charset="0"/>
+      <p:font typeface="Open Sans" panose="020B0606030504020204" pitchFamily="34" charset="0"/>
       <p:regular r:id="rId28"/>
     </p:embeddedFont>
     <p:embeddedFont>
@@ -363,7 +363,7 @@
             <a:fld id="{1D8BD707-D9CF-40AE-B4C6-C98DA3205C09}" type="datetimeFigureOut">
               <a:rPr lang="en-US" smtClean="0"/>
               <a:pPr/>
-              <a:t>5/2/2025</a:t>
+              <a:t>5/3/2025</a:t>
             </a:fld>
             <a:endParaRPr lang="en-US"/>
           </a:p>
@@ -801,7 +801,7 @@
             <a:fld id="{1D8BD707-D9CF-40AE-B4C6-C98DA3205C09}" type="datetimeFigureOut">
               <a:rPr lang="en-US" smtClean="0"/>
               <a:pPr/>
-              <a:t>5/2/2025</a:t>
+              <a:t>5/3/2025</a:t>
             </a:fld>
             <a:endParaRPr lang="en-US"/>
           </a:p>
@@ -1053,7 +1053,7 @@
             <a:fld id="{1D8BD707-D9CF-40AE-B4C6-C98DA3205C09}" type="datetimeFigureOut">
               <a:rPr lang="en-US" smtClean="0"/>
               <a:pPr/>
-              <a:t>5/2/2025</a:t>
+              <a:t>5/3/2025</a:t>
             </a:fld>
             <a:endParaRPr lang="en-US"/>
           </a:p>
@@ -1363,7 +1363,7 @@
             <a:fld id="{1D8BD707-D9CF-40AE-B4C6-C98DA3205C09}" type="datetimeFigureOut">
               <a:rPr lang="en-US" smtClean="0"/>
               <a:pPr/>
-              <a:t>5/2/2025</a:t>
+              <a:t>5/3/2025</a:t>
             </a:fld>
             <a:endParaRPr lang="en-US"/>
           </a:p>
@@ -1683,7 +1683,7 @@
             <a:fld id="{1D8BD707-D9CF-40AE-B4C6-C98DA3205C09}" type="datetimeFigureOut">
               <a:rPr lang="en-US" smtClean="0"/>
               <a:pPr/>
-              <a:t>5/2/2025</a:t>
+              <a:t>5/3/2025</a:t>
             </a:fld>
             <a:endParaRPr lang="en-US"/>
           </a:p>
@@ -1987,7 +1987,7 @@
             <a:fld id="{1D8BD707-D9CF-40AE-B4C6-C98DA3205C09}" type="datetimeFigureOut">
               <a:rPr lang="en-US" smtClean="0"/>
               <a:pPr/>
-              <a:t>5/2/2025</a:t>
+              <a:t>5/3/2025</a:t>
             </a:fld>
             <a:endParaRPr lang="en-US"/>
           </a:p>
@@ -2356,7 +2356,7 @@
             <a:fld id="{1D8BD707-D9CF-40AE-B4C6-C98DA3205C09}" type="datetimeFigureOut">
               <a:rPr lang="en-US" smtClean="0"/>
               <a:pPr/>
-              <a:t>5/2/2025</a:t>
+              <a:t>5/3/2025</a:t>
             </a:fld>
             <a:endParaRPr lang="en-US"/>
           </a:p>
@@ -2532,7 +2532,7 @@
             <a:fld id="{1D8BD707-D9CF-40AE-B4C6-C98DA3205C09}" type="datetimeFigureOut">
               <a:rPr lang="en-US" smtClean="0"/>
               <a:pPr/>
-              <a:t>5/2/2025</a:t>
+              <a:t>5/3/2025</a:t>
             </a:fld>
             <a:endParaRPr lang="en-US"/>
           </a:p>
@@ -2714,7 +2714,7 @@
             <a:fld id="{1D8BD707-D9CF-40AE-B4C6-C98DA3205C09}" type="datetimeFigureOut">
               <a:rPr lang="en-US" smtClean="0"/>
               <a:pPr/>
-              <a:t>5/2/2025</a:t>
+              <a:t>5/3/2025</a:t>
             </a:fld>
             <a:endParaRPr lang="en-US"/>
           </a:p>
@@ -2886,7 +2886,7 @@
             <a:fld id="{1D8BD707-D9CF-40AE-B4C6-C98DA3205C09}" type="datetimeFigureOut">
               <a:rPr lang="en-US" smtClean="0"/>
               <a:pPr/>
-              <a:t>5/2/2025</a:t>
+              <a:t>5/3/2025</a:t>
             </a:fld>
             <a:endParaRPr lang="en-US"/>
           </a:p>
@@ -3138,7 +3138,7 @@
             <a:fld id="{1D8BD707-D9CF-40AE-B4C6-C98DA3205C09}" type="datetimeFigureOut">
               <a:rPr lang="en-US" smtClean="0"/>
               <a:pPr/>
-              <a:t>5/2/2025</a:t>
+              <a:t>5/3/2025</a:t>
             </a:fld>
             <a:endParaRPr lang="en-US"/>
           </a:p>
@@ -3376,7 +3376,7 @@
             <a:fld id="{1D8BD707-D9CF-40AE-B4C6-C98DA3205C09}" type="datetimeFigureOut">
               <a:rPr lang="en-US" smtClean="0"/>
               <a:pPr/>
-              <a:t>5/2/2025</a:t>
+              <a:t>5/3/2025</a:t>
             </a:fld>
             <a:endParaRPr lang="en-US"/>
           </a:p>
@@ -3760,7 +3760,7 @@
             <a:fld id="{1D8BD707-D9CF-40AE-B4C6-C98DA3205C09}" type="datetimeFigureOut">
               <a:rPr lang="en-US" smtClean="0"/>
               <a:pPr/>
-              <a:t>5/2/2025</a:t>
+              <a:t>5/3/2025</a:t>
             </a:fld>
             <a:endParaRPr lang="en-US"/>
           </a:p>
@@ -3880,7 +3880,7 @@
             <a:fld id="{1D8BD707-D9CF-40AE-B4C6-C98DA3205C09}" type="datetimeFigureOut">
               <a:rPr lang="en-US" smtClean="0"/>
               <a:pPr/>
-              <a:t>5/2/2025</a:t>
+              <a:t>5/3/2025</a:t>
             </a:fld>
             <a:endParaRPr lang="en-US"/>
           </a:p>
@@ -3977,7 +3977,7 @@
             <a:fld id="{1D8BD707-D9CF-40AE-B4C6-C98DA3205C09}" type="datetimeFigureOut">
               <a:rPr lang="en-US" smtClean="0"/>
               <a:pPr/>
-              <a:t>5/2/2025</a:t>
+              <a:t>5/3/2025</a:t>
             </a:fld>
             <a:endParaRPr lang="en-US"/>
           </a:p>
@@ -4234,7 +4234,7 @@
             <a:fld id="{1D8BD707-D9CF-40AE-B4C6-C98DA3205C09}" type="datetimeFigureOut">
               <a:rPr lang="en-US" smtClean="0"/>
               <a:pPr/>
-              <a:t>5/2/2025</a:t>
+              <a:t>5/3/2025</a:t>
             </a:fld>
             <a:endParaRPr lang="en-US"/>
           </a:p>
@@ -4519,7 +4519,7 @@
             <a:fld id="{1D8BD707-D9CF-40AE-B4C6-C98DA3205C09}" type="datetimeFigureOut">
               <a:rPr lang="en-US" smtClean="0"/>
               <a:pPr/>
-              <a:t>5/2/2025</a:t>
+              <a:t>5/3/2025</a:t>
             </a:fld>
             <a:endParaRPr lang="en-US"/>
           </a:p>
@@ -4927,7 +4927,7 @@
             <a:fld id="{1D8BD707-D9CF-40AE-B4C6-C98DA3205C09}" type="datetimeFigureOut">
               <a:rPr lang="en-US" smtClean="0"/>
               <a:pPr/>
-              <a:t>5/2/2025</a:t>
+              <a:t>5/3/2025</a:t>
             </a:fld>
             <a:endParaRPr lang="en-US"/>
           </a:p>
@@ -8974,7 +8974,7 @@
               </a:spcBef>
             </a:pPr>
             <a:r>
-              <a:rPr lang="en-US" sz="15640" u="none" strike="noStrike">
+              <a:rPr lang="en-US" sz="15640" u="none" strike="noStrike" dirty="0">
                 <a:solidFill>
                   <a:srgbClr val="000000"/>
                 </a:solidFill>
@@ -8996,7 +8996,7 @@
               </a:spcBef>
             </a:pPr>
             <a:r>
-              <a:rPr lang="en-US" sz="15640" u="none" strike="noStrike">
+              <a:rPr lang="en-US" sz="15640" u="none" strike="noStrike" dirty="0">
                 <a:solidFill>
                   <a:srgbClr val="000000"/>
                 </a:solidFill>
@@ -9635,7 +9635,7 @@
               <a:buChar char="•"/>
             </a:pPr>
             <a:r>
-              <a:rPr lang="en-US" sz="4706" u="none" strike="noStrike">
+              <a:rPr lang="en-US" sz="4706" u="none" strike="noStrike" dirty="0">
                 <a:solidFill>
                   <a:srgbClr val="000000"/>
                 </a:solidFill>
@@ -9644,8 +9644,29 @@
                 <a:cs typeface="Anton"/>
                 <a:sym typeface="Anton"/>
               </a:rPr>
-              <a:t>-Valores Nulos</a:t>
-            </a:r>
+              <a:t>Valores </a:t>
+            </a:r>
+            <a:r>
+              <a:rPr lang="en-US" sz="4706" u="none" strike="noStrike" dirty="0" err="1">
+                <a:solidFill>
+                  <a:srgbClr val="000000"/>
+                </a:solidFill>
+                <a:latin typeface="Anton"/>
+                <a:ea typeface="Anton"/>
+                <a:cs typeface="Anton"/>
+                <a:sym typeface="Anton"/>
+              </a:rPr>
+              <a:t>Nulos</a:t>
+            </a:r>
+            <a:endParaRPr lang="en-US" sz="4706" u="none" strike="noStrike" dirty="0">
+              <a:solidFill>
+                <a:srgbClr val="000000"/>
+              </a:solidFill>
+              <a:latin typeface="Anton"/>
+              <a:ea typeface="Anton"/>
+              <a:cs typeface="Anton"/>
+              <a:sym typeface="Anton"/>
+            </a:endParaRPr>
           </a:p>
           <a:p>
             <a:pPr marL="1016190" lvl="1" indent="-508095" algn="ctr">
@@ -9659,7 +9680,7 @@
               <a:buChar char="•"/>
             </a:pPr>
             <a:r>
-              <a:rPr lang="en-US" sz="4706" u="none" strike="noStrike">
+              <a:rPr lang="en-US" sz="4706" u="none" strike="noStrike" dirty="0" err="1">
                 <a:solidFill>
                   <a:srgbClr val="000000"/>
                 </a:solidFill>
@@ -9668,8 +9689,17 @@
                 <a:cs typeface="Anton"/>
                 <a:sym typeface="Anton"/>
               </a:rPr>
-              <a:t>-Duplicados</a:t>
-            </a:r>
+              <a:t>Duplicados</a:t>
+            </a:r>
+            <a:endParaRPr lang="en-US" sz="4706" u="none" strike="noStrike" dirty="0">
+              <a:solidFill>
+                <a:srgbClr val="000000"/>
+              </a:solidFill>
+              <a:latin typeface="Anton"/>
+              <a:ea typeface="Anton"/>
+              <a:cs typeface="Anton"/>
+              <a:sym typeface="Anton"/>
+            </a:endParaRPr>
           </a:p>
           <a:p>
             <a:pPr marL="1016190" lvl="1" indent="-508095" algn="ctr">
@@ -9683,7 +9713,7 @@
               <a:buChar char="•"/>
             </a:pPr>
             <a:r>
-              <a:rPr lang="en-US" sz="4706" u="none" strike="noStrike">
+              <a:rPr lang="en-US" sz="4706" u="none" strike="noStrike" dirty="0">
                 <a:solidFill>
                   <a:srgbClr val="000000"/>
                 </a:solidFill>
@@ -9692,8 +9722,29 @@
                 <a:cs typeface="Anton"/>
                 <a:sym typeface="Anton"/>
               </a:rPr>
-              <a:t>-Datos no consistentes</a:t>
-            </a:r>
+              <a:t>Datos no </a:t>
+            </a:r>
+            <a:r>
+              <a:rPr lang="en-US" sz="4706" u="none" strike="noStrike" dirty="0" err="1">
+                <a:solidFill>
+                  <a:srgbClr val="000000"/>
+                </a:solidFill>
+                <a:latin typeface="Anton"/>
+                <a:ea typeface="Anton"/>
+                <a:cs typeface="Anton"/>
+                <a:sym typeface="Anton"/>
+              </a:rPr>
+              <a:t>consistentes</a:t>
+            </a:r>
+            <a:endParaRPr lang="en-US" sz="4706" u="none" strike="noStrike" dirty="0">
+              <a:solidFill>
+                <a:srgbClr val="000000"/>
+              </a:solidFill>
+              <a:latin typeface="Anton"/>
+              <a:ea typeface="Anton"/>
+              <a:cs typeface="Anton"/>
+              <a:sym typeface="Anton"/>
+            </a:endParaRPr>
           </a:p>
           <a:p>
             <a:pPr marL="1016190" lvl="1" indent="-508095" algn="ctr">
@@ -9716,7 +9767,19 @@
                 <a:cs typeface="Anton"/>
                 <a:sym typeface="Anton"/>
               </a:rPr>
-              <a:t>-Imputación de Datos</a:t>
+              <a:t>Imputación</a:t>
+            </a:r>
+            <a:r>
+              <a:rPr lang="en-US" sz="4706" u="none" strike="noStrike" dirty="0">
+                <a:solidFill>
+                  <a:srgbClr val="000000"/>
+                </a:solidFill>
+                <a:latin typeface="Anton"/>
+                <a:ea typeface="Anton"/>
+                <a:cs typeface="Anton"/>
+                <a:sym typeface="Anton"/>
+              </a:rPr>
+              <a:t> de Datos</a:t>
             </a:r>
           </a:p>
         </p:txBody>
